--- a/warehouse/Coding Kata - Warehouse - startin with Unit Testing.pptx
+++ b/warehouse/Coding Kata - Warehouse - startin with Unit Testing.pptx
@@ -5,17 +5,20 @@
     <p:sldMasterId id="2147483648" r:id="rId1"/>
   </p:sldMasterIdLst>
   <p:notesMasterIdLst>
-    <p:notesMasterId r:id="rId10"/>
+    <p:notesMasterId r:id="rId13"/>
   </p:notesMasterIdLst>
   <p:sldIdLst>
     <p:sldId id="279" r:id="rId2"/>
     <p:sldId id="287" r:id="rId3"/>
-    <p:sldId id="288" r:id="rId4"/>
-    <p:sldId id="289" r:id="rId5"/>
-    <p:sldId id="290" r:id="rId6"/>
-    <p:sldId id="291" r:id="rId7"/>
-    <p:sldId id="292" r:id="rId8"/>
-    <p:sldId id="293" r:id="rId9"/>
+    <p:sldId id="294" r:id="rId4"/>
+    <p:sldId id="288" r:id="rId5"/>
+    <p:sldId id="289" r:id="rId6"/>
+    <p:sldId id="290" r:id="rId7"/>
+    <p:sldId id="291" r:id="rId8"/>
+    <p:sldId id="292" r:id="rId9"/>
+    <p:sldId id="293" r:id="rId10"/>
+    <p:sldId id="296" r:id="rId11"/>
+    <p:sldId id="295" r:id="rId12"/>
   </p:sldIdLst>
   <p:sldSz cx="9144000" cy="6858000" type="screen4x3"/>
   <p:notesSz cx="6858000" cy="9144000"/>
@@ -227,7 +230,7 @@
           <a:p>
             <a:fld id="{312D2A74-5733-489F-AE3E-678E3C4642CF}" type="datetimeFigureOut">
               <a:rPr lang="nl-NL" smtClean="0"/>
-              <a:t>23-3-2016</a:t>
+              <a:t>30-3-2016</a:t>
             </a:fld>
             <a:endParaRPr lang="nl-NL"/>
           </a:p>
@@ -5606,6 +5609,312 @@
 </p:sld>
 </file>
 
+<file path=ppt/slides/slide10.xml><?xml version="1.0" encoding="utf-8"?>
+<p:sld xmlns:a="http://schemas.openxmlformats.org/drawingml/2006/main" xmlns:r="http://schemas.openxmlformats.org/officeDocument/2006/relationships" xmlns:p="http://schemas.openxmlformats.org/presentationml/2006/main">
+  <p:cSld>
+    <p:spTree>
+      <p:nvGrpSpPr>
+        <p:cNvPr id="1" name=""/>
+        <p:cNvGrpSpPr/>
+        <p:nvPr/>
+      </p:nvGrpSpPr>
+      <p:grpSpPr>
+        <a:xfrm>
+          <a:off x="0" y="0"/>
+          <a:ext cx="0" cy="0"/>
+          <a:chOff x="0" y="0"/>
+          <a:chExt cx="0" cy="0"/>
+        </a:xfrm>
+      </p:grpSpPr>
+      <p:sp>
+        <p:nvSpPr>
+          <p:cNvPr id="33" name="Text Placeholder 3"/>
+          <p:cNvSpPr>
+            <a:spLocks noGrp="1"/>
+          </p:cNvSpPr>
+          <p:nvPr>
+            <p:ph type="body" sz="quarter" idx="13"/>
+          </p:nvPr>
+        </p:nvSpPr>
+        <p:spPr>
+          <a:xfrm>
+            <a:off x="962025" y="548680"/>
+            <a:ext cx="6516688" cy="424900"/>
+          </a:xfrm>
+        </p:spPr>
+        <p:txBody>
+          <a:bodyPr/>
+          <a:lstStyle/>
+          <a:p>
+            <a:pPr marL="0" indent="0"/>
+            <a:r>
+              <a:rPr lang="nl-NL" sz="2800" dirty="0"/>
+              <a:t>Wat gaan we volgende </a:t>
+            </a:r>
+            <a:r>
+              <a:rPr lang="nl-NL" sz="2800" dirty="0" err="1"/>
+              <a:t>dojo</a:t>
+            </a:r>
+            <a:r>
+              <a:rPr lang="nl-NL" sz="2800" dirty="0"/>
+              <a:t> doen?</a:t>
+            </a:r>
+          </a:p>
+        </p:txBody>
+      </p:sp>
+      <p:sp>
+        <p:nvSpPr>
+          <p:cNvPr id="34" name="Text Placeholder 3"/>
+          <p:cNvSpPr>
+            <a:spLocks noGrp="1"/>
+          </p:cNvSpPr>
+          <p:nvPr>
+            <p:ph type="body" sz="quarter" idx="13"/>
+          </p:nvPr>
+        </p:nvSpPr>
+        <p:spPr>
+          <a:xfrm>
+            <a:off x="962025" y="945887"/>
+            <a:ext cx="6516688" cy="353233"/>
+          </a:xfrm>
+        </p:spPr>
+        <p:txBody>
+          <a:bodyPr/>
+          <a:lstStyle/>
+          <a:p>
+            <a:endParaRPr lang="nl-NL" sz="2000" dirty="0">
+              <a:solidFill>
+                <a:srgbClr val="A5CD39"/>
+              </a:solidFill>
+              <a:latin typeface="Bebas Neue" panose="020B0000000000000000" pitchFamily="34" charset="0"/>
+            </a:endParaRPr>
+          </a:p>
+        </p:txBody>
+      </p:sp>
+      <p:sp>
+        <p:nvSpPr>
+          <p:cNvPr id="6" name="Text Placeholder 2"/>
+          <p:cNvSpPr>
+            <a:spLocks noGrp="1"/>
+          </p:cNvSpPr>
+          <p:nvPr>
+            <p:ph type="body" sz="quarter" idx="12"/>
+          </p:nvPr>
+        </p:nvSpPr>
+        <p:spPr>
+          <a:xfrm>
+            <a:off x="962025" y="1484785"/>
+            <a:ext cx="7858448" cy="4896544"/>
+          </a:xfrm>
+        </p:spPr>
+        <p:txBody>
+          <a:bodyPr/>
+          <a:lstStyle/>
+          <a:p>
+            <a:pPr marL="0" indent="0">
+              <a:lnSpc>
+                <a:spcPct val="100000"/>
+              </a:lnSpc>
+              <a:buNone/>
+            </a:pPr>
+            <a:endParaRPr lang="nl-NL" sz="2000" dirty="0" smtClean="0"/>
+          </a:p>
+          <a:p>
+            <a:pPr marL="0" indent="0">
+              <a:lnSpc>
+                <a:spcPct val="100000"/>
+              </a:lnSpc>
+              <a:buNone/>
+            </a:pPr>
+            <a:r>
+              <a:rPr lang="nl-NL" sz="2800" dirty="0" smtClean="0"/>
+              <a:t>Meer unit testen – het gebruik van MOQ</a:t>
+            </a:r>
+            <a:endParaRPr lang="nl-NL" sz="2800" dirty="0" smtClean="0"/>
+          </a:p>
+          <a:p>
+            <a:pPr marL="0" indent="0">
+              <a:lnSpc>
+                <a:spcPct val="100000"/>
+              </a:lnSpc>
+              <a:buNone/>
+            </a:pPr>
+            <a:endParaRPr lang="nl-NL" sz="1600" dirty="0" smtClean="0"/>
+          </a:p>
+        </p:txBody>
+      </p:sp>
+    </p:spTree>
+    <p:extLst>
+      <p:ext uri="{BB962C8B-B14F-4D97-AF65-F5344CB8AC3E}">
+        <p14:creationId xmlns:p14="http://schemas.microsoft.com/office/powerpoint/2010/main" val="2576166568"/>
+      </p:ext>
+    </p:extLst>
+  </p:cSld>
+  <p:clrMapOvr>
+    <a:masterClrMapping/>
+  </p:clrMapOvr>
+  <p:timing>
+    <p:tnLst>
+      <p:par>
+        <p:cTn id="1" dur="indefinite" restart="never" nodeType="tmRoot"/>
+      </p:par>
+    </p:tnLst>
+  </p:timing>
+</p:sld>
+</file>
+
+<file path=ppt/slides/slide11.xml><?xml version="1.0" encoding="utf-8"?>
+<p:sld xmlns:a="http://schemas.openxmlformats.org/drawingml/2006/main" xmlns:r="http://schemas.openxmlformats.org/officeDocument/2006/relationships" xmlns:p="http://schemas.openxmlformats.org/presentationml/2006/main">
+  <p:cSld>
+    <p:spTree>
+      <p:nvGrpSpPr>
+        <p:cNvPr id="1" name=""/>
+        <p:cNvGrpSpPr/>
+        <p:nvPr/>
+      </p:nvGrpSpPr>
+      <p:grpSpPr>
+        <a:xfrm>
+          <a:off x="0" y="0"/>
+          <a:ext cx="0" cy="0"/>
+          <a:chOff x="0" y="0"/>
+          <a:chExt cx="0" cy="0"/>
+        </a:xfrm>
+      </p:grpSpPr>
+      <p:sp>
+        <p:nvSpPr>
+          <p:cNvPr id="33" name="Text Placeholder 3"/>
+          <p:cNvSpPr>
+            <a:spLocks noGrp="1"/>
+          </p:cNvSpPr>
+          <p:nvPr>
+            <p:ph type="body" sz="quarter" idx="13"/>
+          </p:nvPr>
+        </p:nvSpPr>
+        <p:spPr>
+          <a:xfrm>
+            <a:off x="962025" y="548680"/>
+            <a:ext cx="6516688" cy="424900"/>
+          </a:xfrm>
+        </p:spPr>
+        <p:txBody>
+          <a:bodyPr/>
+          <a:lstStyle/>
+          <a:p>
+            <a:r>
+              <a:rPr lang="nl-NL" sz="2800" dirty="0" smtClean="0">
+                <a:latin typeface="Bebas Neue" panose="020B0000000000000000" pitchFamily="34" charset="0"/>
+              </a:rPr>
+              <a:t>Afsluiting</a:t>
+            </a:r>
+            <a:endParaRPr lang="nl-NL" dirty="0">
+              <a:latin typeface="Bebas Neue" panose="020B0000000000000000" pitchFamily="34" charset="0"/>
+            </a:endParaRPr>
+          </a:p>
+        </p:txBody>
+      </p:sp>
+      <p:sp>
+        <p:nvSpPr>
+          <p:cNvPr id="34" name="Text Placeholder 3"/>
+          <p:cNvSpPr>
+            <a:spLocks noGrp="1"/>
+          </p:cNvSpPr>
+          <p:nvPr>
+            <p:ph type="body" sz="quarter" idx="13"/>
+          </p:nvPr>
+        </p:nvSpPr>
+        <p:spPr>
+          <a:xfrm>
+            <a:off x="962025" y="945887"/>
+            <a:ext cx="6516688" cy="353233"/>
+          </a:xfrm>
+        </p:spPr>
+        <p:txBody>
+          <a:bodyPr/>
+          <a:lstStyle/>
+          <a:p>
+            <a:endParaRPr lang="nl-NL" sz="2000" dirty="0">
+              <a:solidFill>
+                <a:srgbClr val="A5CD39"/>
+              </a:solidFill>
+              <a:latin typeface="Bebas Neue" panose="020B0000000000000000" pitchFamily="34" charset="0"/>
+            </a:endParaRPr>
+          </a:p>
+        </p:txBody>
+      </p:sp>
+      <p:sp>
+        <p:nvSpPr>
+          <p:cNvPr id="6" name="Text Placeholder 2"/>
+          <p:cNvSpPr>
+            <a:spLocks noGrp="1"/>
+          </p:cNvSpPr>
+          <p:nvPr>
+            <p:ph type="body" sz="quarter" idx="12"/>
+          </p:nvPr>
+        </p:nvSpPr>
+        <p:spPr>
+          <a:xfrm>
+            <a:off x="962025" y="1484785"/>
+            <a:ext cx="7858448" cy="4896544"/>
+          </a:xfrm>
+        </p:spPr>
+        <p:txBody>
+          <a:bodyPr/>
+          <a:lstStyle/>
+          <a:p>
+            <a:pPr marL="0" indent="0">
+              <a:lnSpc>
+                <a:spcPct val="100000"/>
+              </a:lnSpc>
+              <a:buNone/>
+            </a:pPr>
+            <a:endParaRPr lang="nl-NL" sz="1600" dirty="0" smtClean="0"/>
+          </a:p>
+        </p:txBody>
+      </p:sp>
+      <p:pic>
+        <p:nvPicPr>
+          <p:cNvPr id="2" name="Picture 1"/>
+          <p:cNvPicPr>
+            <a:picLocks noChangeAspect="1"/>
+          </p:cNvPicPr>
+          <p:nvPr/>
+        </p:nvPicPr>
+        <p:blipFill>
+          <a:blip r:embed="rId2"/>
+          <a:stretch>
+            <a:fillRect/>
+          </a:stretch>
+        </p:blipFill>
+        <p:spPr>
+          <a:xfrm>
+            <a:off x="962025" y="1476437"/>
+            <a:ext cx="7725519" cy="5120915"/>
+          </a:xfrm>
+          <a:prstGeom prst="rect">
+            <a:avLst/>
+          </a:prstGeom>
+        </p:spPr>
+      </p:pic>
+    </p:spTree>
+    <p:extLst>
+      <p:ext uri="{BB962C8B-B14F-4D97-AF65-F5344CB8AC3E}">
+        <p14:creationId xmlns:p14="http://schemas.microsoft.com/office/powerpoint/2010/main" val="2396697631"/>
+      </p:ext>
+    </p:extLst>
+  </p:cSld>
+  <p:clrMapOvr>
+    <a:masterClrMapping/>
+  </p:clrMapOvr>
+  <p:timing>
+    <p:tnLst>
+      <p:par>
+        <p:cTn id="1" dur="indefinite" restart="never" nodeType="tmRoot"/>
+      </p:par>
+    </p:tnLst>
+  </p:timing>
+</p:sld>
+</file>
+
 <file path=ppt/slides/slide2.xml><?xml version="1.0" encoding="utf-8"?>
 <p:sld xmlns:a="http://schemas.openxmlformats.org/drawingml/2006/main" xmlns:r="http://schemas.openxmlformats.org/officeDocument/2006/relationships" xmlns:p="http://schemas.openxmlformats.org/presentationml/2006/main">
   <p:cSld>
@@ -5647,7 +5956,7 @@
               <a:rPr lang="nl-NL" sz="2800" dirty="0" smtClean="0">
                 <a:latin typeface="Bebas Neue" panose="020B0000000000000000" pitchFamily="34" charset="0"/>
               </a:rPr>
-              <a:t>Uitleg van programma	</a:t>
+              <a:t>Agenda	</a:t>
             </a:r>
             <a:endParaRPr lang="nl-NL" dirty="0">
               <a:latin typeface="Bebas Neue" panose="020B0000000000000000" pitchFamily="34" charset="0"/>
@@ -5710,8 +6019,8 @@
               </a:lnSpc>
             </a:pPr>
             <a:r>
-              <a:rPr lang="nl-NL" sz="1800" dirty="0" smtClean="0"/>
-              <a:t>Magazijn met gebouwen</a:t>
+              <a:rPr lang="nl-NL" sz="2400" dirty="0" smtClean="0"/>
+              <a:t>Intro en uitleg model</a:t>
             </a:r>
           </a:p>
           <a:p>
@@ -5720,10 +6029,7 @@
                 <a:spcPct val="100000"/>
               </a:lnSpc>
             </a:pPr>
-            <a:r>
-              <a:rPr lang="nl-NL" sz="1800" dirty="0" smtClean="0"/>
-              <a:t>Gebouw heeft rijen</a:t>
-            </a:r>
+            <a:endParaRPr lang="nl-NL" sz="2400" dirty="0" smtClean="0"/>
           </a:p>
           <a:p>
             <a:pPr>
@@ -5732,8 +6038,8 @@
               </a:lnSpc>
             </a:pPr>
             <a:r>
-              <a:rPr lang="nl-NL" sz="1800" dirty="0" smtClean="0"/>
-              <a:t>Een rij heeft rekken</a:t>
+              <a:rPr lang="nl-NL" sz="2400" dirty="0" smtClean="0"/>
+              <a:t>De opdracht(en)</a:t>
             </a:r>
           </a:p>
           <a:p>
@@ -5742,10 +6048,7 @@
                 <a:spcPct val="100000"/>
               </a:lnSpc>
             </a:pPr>
-            <a:r>
-              <a:rPr lang="nl-NL" sz="1800" dirty="0" smtClean="0"/>
-              <a:t>Een rek heeft schappen</a:t>
-            </a:r>
+            <a:endParaRPr lang="nl-NL" sz="2400" dirty="0" smtClean="0"/>
           </a:p>
           <a:p>
             <a:pPr>
@@ -5753,7 +6056,10 @@
                 <a:spcPct val="100000"/>
               </a:lnSpc>
             </a:pPr>
-            <a:endParaRPr lang="nl-NL" sz="1800" dirty="0"/>
+            <a:r>
+              <a:rPr lang="nl-NL" sz="2400" dirty="0" smtClean="0"/>
+              <a:t>Coderen (50 minuten)</a:t>
+            </a:r>
           </a:p>
           <a:p>
             <a:pPr>
@@ -5761,10 +6067,7 @@
                 <a:spcPct val="100000"/>
               </a:lnSpc>
             </a:pPr>
-            <a:r>
-              <a:rPr lang="nl-NL" sz="1800" dirty="0" smtClean="0"/>
-              <a:t>In een schap liggen Producten opgeslagen</a:t>
-            </a:r>
+            <a:endParaRPr lang="nl-NL" sz="2400" dirty="0" smtClean="0"/>
           </a:p>
           <a:p>
             <a:pPr>
@@ -5772,7 +6075,10 @@
                 <a:spcPct val="100000"/>
               </a:lnSpc>
             </a:pPr>
-            <a:endParaRPr lang="nl-NL" sz="1800" dirty="0"/>
+            <a:r>
+              <a:rPr lang="nl-NL" sz="2400" dirty="0" smtClean="0"/>
+              <a:t>Presentatie / feedback – ieder team (30 minuten)</a:t>
+            </a:r>
           </a:p>
           <a:p>
             <a:pPr>
@@ -5780,10 +6086,7 @@
                 <a:spcPct val="100000"/>
               </a:lnSpc>
             </a:pPr>
-            <a:r>
-              <a:rPr lang="nl-NL" sz="1800" dirty="0" smtClean="0"/>
-              <a:t>Een Product heeft een gewicht</a:t>
-            </a:r>
+            <a:endParaRPr lang="nl-NL" sz="2400" dirty="0" smtClean="0"/>
           </a:p>
           <a:p>
             <a:pPr>
@@ -5792,8 +6095,20 @@
               </a:lnSpc>
             </a:pPr>
             <a:r>
-              <a:rPr lang="nl-NL" sz="1800" dirty="0" smtClean="0"/>
-              <a:t>Een Rek heeft een max gewicht; er kunnen maar zoveel producten op een rek</a:t>
+              <a:rPr lang="nl-NL" sz="2400" dirty="0" err="1" smtClean="0"/>
+              <a:t>Retrospecitive</a:t>
+            </a:r>
+            <a:r>
+              <a:rPr lang="nl-NL" sz="2400" dirty="0" smtClean="0"/>
+              <a:t> van de </a:t>
+            </a:r>
+            <a:r>
+              <a:rPr lang="nl-NL" sz="2400" dirty="0" err="1" smtClean="0"/>
+              <a:t>dojo</a:t>
+            </a:r>
+            <a:r>
+              <a:rPr lang="nl-NL" sz="2400" dirty="0" smtClean="0"/>
+              <a:t> (15 minuten)</a:t>
             </a:r>
           </a:p>
           <a:p>
@@ -5802,7 +6117,7 @@
                 <a:spcPct val="100000"/>
               </a:lnSpc>
             </a:pPr>
-            <a:endParaRPr lang="nl-NL" sz="1800" dirty="0"/>
+            <a:endParaRPr lang="nl-NL" sz="2400" dirty="0" smtClean="0"/>
           </a:p>
           <a:p>
             <a:pPr>
@@ -5811,9 +6126,14 @@
               </a:lnSpc>
             </a:pPr>
             <a:r>
-              <a:rPr lang="nl-NL" sz="1800" dirty="0" smtClean="0"/>
-              <a:t>Een Gebouw heeft een Airco die aan / uit kan</a:t>
-            </a:r>
+              <a:rPr lang="nl-NL" sz="2400" dirty="0" smtClean="0"/>
+              <a:t>Aankondiging volgende </a:t>
+            </a:r>
+            <a:r>
+              <a:rPr lang="nl-NL" sz="2400" dirty="0" err="1" smtClean="0"/>
+              <a:t>dojo</a:t>
+            </a:r>
+            <a:endParaRPr lang="nl-NL" sz="2400" dirty="0" smtClean="0"/>
           </a:p>
           <a:p>
             <a:pPr>
@@ -5821,15 +6141,7 @@
                 <a:spcPct val="100000"/>
               </a:lnSpc>
             </a:pPr>
-            <a:r>
-              <a:rPr lang="nl-NL" sz="1800" dirty="0" smtClean="0"/>
-              <a:t>Een Airco mag niet aan wanneer buitentemp &lt; 5 graden </a:t>
-            </a:r>
-            <a:r>
-              <a:rPr lang="nl-NL" sz="1800" dirty="0" err="1"/>
-              <a:t>celcius</a:t>
-            </a:r>
-            <a:endParaRPr lang="nl-NL" sz="1800" dirty="0" smtClean="0"/>
+            <a:endParaRPr lang="nl-NL" sz="2400" dirty="0" smtClean="0"/>
           </a:p>
           <a:p>
             <a:pPr>
@@ -5837,39 +6149,7 @@
                 <a:spcPct val="100000"/>
               </a:lnSpc>
             </a:pPr>
-            <a:r>
-              <a:rPr lang="nl-NL" sz="1800" dirty="0"/>
-              <a:t>Een Airco mag niet </a:t>
-            </a:r>
-            <a:r>
-              <a:rPr lang="nl-NL" sz="1800" dirty="0" smtClean="0"/>
-              <a:t>uit wanneer </a:t>
-            </a:r>
-            <a:r>
-              <a:rPr lang="nl-NL" sz="1800" dirty="0"/>
-              <a:t>buitentemp </a:t>
-            </a:r>
-            <a:r>
-              <a:rPr lang="nl-NL" sz="1800" dirty="0" smtClean="0"/>
-              <a:t>&gt; 10 graden </a:t>
-            </a:r>
-            <a:r>
-              <a:rPr lang="nl-NL" sz="1800" dirty="0" err="1" smtClean="0"/>
-              <a:t>celcius</a:t>
-            </a:r>
-            <a:r>
-              <a:rPr lang="nl-NL" sz="1800" dirty="0" smtClean="0"/>
-              <a:t> </a:t>
-            </a:r>
-            <a:endParaRPr lang="nl-NL" sz="1800" dirty="0"/>
-          </a:p>
-          <a:p>
-            <a:pPr>
-              <a:lnSpc>
-                <a:spcPct val="100000"/>
-              </a:lnSpc>
-            </a:pPr>
-            <a:endParaRPr lang="nl-NL" sz="1600" dirty="0" smtClean="0"/>
+            <a:endParaRPr lang="nl-NL" sz="1400" dirty="0" smtClean="0"/>
           </a:p>
         </p:txBody>
       </p:sp>
@@ -5934,7 +6214,7 @@
               <a:rPr lang="nl-NL" sz="2800" dirty="0" smtClean="0">
                 <a:latin typeface="Bebas Neue" panose="020B0000000000000000" pitchFamily="34" charset="0"/>
               </a:rPr>
-              <a:t>Model	</a:t>
+              <a:t>Uitleg van programma	</a:t>
             </a:r>
             <a:endParaRPr lang="nl-NL" dirty="0">
               <a:latin typeface="Bebas Neue" panose="020B0000000000000000" pitchFamily="34" charset="0"/>
@@ -5983,8 +6263,8 @@
         </p:nvSpPr>
         <p:spPr>
           <a:xfrm>
-            <a:off x="962024" y="1484785"/>
-            <a:ext cx="7858447" cy="4896544"/>
+            <a:off x="755576" y="1484785"/>
+            <a:ext cx="8280920" cy="4896544"/>
           </a:xfrm>
         </p:spPr>
         <p:txBody>
@@ -5997,16 +6277,173 @@
               </a:lnSpc>
             </a:pPr>
             <a:r>
-              <a:rPr lang="nl-NL" sz="1600" dirty="0" smtClean="0"/>
-              <a:t>TODO</a:t>
-            </a:r>
+              <a:rPr lang="nl-NL" sz="1800" dirty="0" smtClean="0"/>
+              <a:t>Magazijn met gebouwen</a:t>
+            </a:r>
+          </a:p>
+          <a:p>
+            <a:pPr>
+              <a:lnSpc>
+                <a:spcPct val="100000"/>
+              </a:lnSpc>
+            </a:pPr>
+            <a:r>
+              <a:rPr lang="nl-NL" sz="1800" dirty="0" smtClean="0"/>
+              <a:t>Gebouw heeft rijen</a:t>
+            </a:r>
+          </a:p>
+          <a:p>
+            <a:pPr>
+              <a:lnSpc>
+                <a:spcPct val="100000"/>
+              </a:lnSpc>
+            </a:pPr>
+            <a:r>
+              <a:rPr lang="nl-NL" sz="1800" dirty="0" smtClean="0"/>
+              <a:t>Een rij heeft rekken</a:t>
+            </a:r>
+          </a:p>
+          <a:p>
+            <a:pPr>
+              <a:lnSpc>
+                <a:spcPct val="100000"/>
+              </a:lnSpc>
+            </a:pPr>
+            <a:r>
+              <a:rPr lang="nl-NL" sz="1800" dirty="0" smtClean="0"/>
+              <a:t>Een rek heeft schappen</a:t>
+            </a:r>
+          </a:p>
+          <a:p>
+            <a:pPr>
+              <a:lnSpc>
+                <a:spcPct val="100000"/>
+              </a:lnSpc>
+            </a:pPr>
+            <a:endParaRPr lang="nl-NL" sz="1800" dirty="0"/>
+          </a:p>
+          <a:p>
+            <a:pPr>
+              <a:lnSpc>
+                <a:spcPct val="100000"/>
+              </a:lnSpc>
+            </a:pPr>
+            <a:r>
+              <a:rPr lang="nl-NL" sz="1800" dirty="0" smtClean="0"/>
+              <a:t>In een schap liggen Producten opgeslagen</a:t>
+            </a:r>
+          </a:p>
+          <a:p>
+            <a:pPr>
+              <a:lnSpc>
+                <a:spcPct val="100000"/>
+              </a:lnSpc>
+            </a:pPr>
+            <a:endParaRPr lang="nl-NL" sz="1800" dirty="0"/>
+          </a:p>
+          <a:p>
+            <a:pPr>
+              <a:lnSpc>
+                <a:spcPct val="100000"/>
+              </a:lnSpc>
+            </a:pPr>
+            <a:r>
+              <a:rPr lang="nl-NL" sz="1800" dirty="0" smtClean="0"/>
+              <a:t>Een Product heeft een gewicht</a:t>
+            </a:r>
+          </a:p>
+          <a:p>
+            <a:pPr>
+              <a:lnSpc>
+                <a:spcPct val="100000"/>
+              </a:lnSpc>
+            </a:pPr>
+            <a:r>
+              <a:rPr lang="nl-NL" sz="1800" dirty="0" smtClean="0"/>
+              <a:t>Een Rek heeft een max gewicht; er kunnen maar zoveel producten op een rek</a:t>
+            </a:r>
+          </a:p>
+          <a:p>
+            <a:pPr>
+              <a:lnSpc>
+                <a:spcPct val="100000"/>
+              </a:lnSpc>
+            </a:pPr>
+            <a:endParaRPr lang="nl-NL" sz="1800" dirty="0"/>
+          </a:p>
+          <a:p>
+            <a:pPr>
+              <a:lnSpc>
+                <a:spcPct val="100000"/>
+              </a:lnSpc>
+            </a:pPr>
+            <a:r>
+              <a:rPr lang="nl-NL" sz="1800" dirty="0" smtClean="0"/>
+              <a:t>Een Gebouw heeft een Airco die aan / uit kan</a:t>
+            </a:r>
+          </a:p>
+          <a:p>
+            <a:pPr>
+              <a:lnSpc>
+                <a:spcPct val="100000"/>
+              </a:lnSpc>
+            </a:pPr>
+            <a:r>
+              <a:rPr lang="nl-NL" sz="1800" dirty="0" smtClean="0"/>
+              <a:t>Een Airco mag niet aan wanneer buitentemp &lt; 5 graden </a:t>
+            </a:r>
+            <a:r>
+              <a:rPr lang="nl-NL" sz="1800" dirty="0" err="1"/>
+              <a:t>celcius</a:t>
+            </a:r>
+            <a:endParaRPr lang="nl-NL" sz="1800" dirty="0" smtClean="0"/>
+          </a:p>
+          <a:p>
+            <a:pPr>
+              <a:lnSpc>
+                <a:spcPct val="100000"/>
+              </a:lnSpc>
+            </a:pPr>
+            <a:r>
+              <a:rPr lang="nl-NL" sz="1800" dirty="0"/>
+              <a:t>Een Airco mag niet </a:t>
+            </a:r>
+            <a:r>
+              <a:rPr lang="nl-NL" sz="1800" dirty="0" smtClean="0"/>
+              <a:t>uit wanneer </a:t>
+            </a:r>
+            <a:r>
+              <a:rPr lang="nl-NL" sz="1800" dirty="0"/>
+              <a:t>buitentemp </a:t>
+            </a:r>
+            <a:r>
+              <a:rPr lang="nl-NL" sz="1800" dirty="0" smtClean="0"/>
+              <a:t>&gt; 10 graden </a:t>
+            </a:r>
+            <a:r>
+              <a:rPr lang="nl-NL" sz="1800" dirty="0" err="1" smtClean="0"/>
+              <a:t>celcius</a:t>
+            </a:r>
+            <a:r>
+              <a:rPr lang="nl-NL" sz="1800" dirty="0" smtClean="0"/>
+              <a:t> </a:t>
+            </a:r>
+            <a:endParaRPr lang="nl-NL" sz="1800" dirty="0"/>
+          </a:p>
+          <a:p>
+            <a:pPr>
+              <a:lnSpc>
+                <a:spcPct val="100000"/>
+              </a:lnSpc>
+            </a:pPr>
+            <a:endParaRPr lang="nl-NL" sz="1600" dirty="0" smtClean="0"/>
           </a:p>
         </p:txBody>
       </p:sp>
     </p:spTree>
     <p:extLst>
       <p:ext uri="{BB962C8B-B14F-4D97-AF65-F5344CB8AC3E}">
-        <p14:creationId xmlns:p14="http://schemas.microsoft.com/office/powerpoint/2010/main" val="3461498845"/>
+        <p14:creationId xmlns:p14="http://schemas.microsoft.com/office/powerpoint/2010/main" val="2626629604"/>
       </p:ext>
     </p:extLst>
   </p:cSld>
@@ -6064,7 +6501,7 @@
               <a:rPr lang="nl-NL" sz="2800" dirty="0" smtClean="0">
                 <a:latin typeface="Bebas Neue" panose="020B0000000000000000" pitchFamily="34" charset="0"/>
               </a:rPr>
-              <a:t>Korte demo	</a:t>
+              <a:t>Model	</a:t>
             </a:r>
             <a:endParaRPr lang="nl-NL" dirty="0">
               <a:latin typeface="Bebas Neue" panose="020B0000000000000000" pitchFamily="34" charset="0"/>
@@ -6098,6 +6535,36 @@
               </a:solidFill>
               <a:latin typeface="Bebas Neue" panose="020B0000000000000000" pitchFamily="34" charset="0"/>
             </a:endParaRPr>
+          </a:p>
+        </p:txBody>
+      </p:sp>
+      <p:sp>
+        <p:nvSpPr>
+          <p:cNvPr id="6" name="Text Placeholder 2"/>
+          <p:cNvSpPr>
+            <a:spLocks noGrp="1"/>
+          </p:cNvSpPr>
+          <p:nvPr>
+            <p:ph type="body" sz="quarter" idx="12"/>
+          </p:nvPr>
+        </p:nvSpPr>
+        <p:spPr>
+          <a:xfrm>
+            <a:off x="962024" y="1484785"/>
+            <a:ext cx="7858447" cy="4896544"/>
+          </a:xfrm>
+        </p:spPr>
+        <p:txBody>
+          <a:bodyPr/>
+          <a:lstStyle/>
+          <a:p>
+            <a:pPr marL="0" indent="0">
+              <a:lnSpc>
+                <a:spcPct val="100000"/>
+              </a:lnSpc>
+              <a:buNone/>
+            </a:pPr>
+            <a:endParaRPr lang="nl-NL" sz="1600" dirty="0" smtClean="0"/>
           </a:p>
         </p:txBody>
       </p:sp>
@@ -6117,48 +6584,18 @@
         </p:blipFill>
         <p:spPr>
           <a:xfrm>
-            <a:off x="2771800" y="2636912"/>
-            <a:ext cx="3905795" cy="1962424"/>
+            <a:off x="104775" y="2423972"/>
+            <a:ext cx="8923196" cy="2445188"/>
           </a:xfrm>
           <a:prstGeom prst="rect">
             <a:avLst/>
           </a:prstGeom>
         </p:spPr>
       </p:pic>
-      <p:sp>
-        <p:nvSpPr>
-          <p:cNvPr id="6" name="Text Placeholder 2"/>
-          <p:cNvSpPr>
-            <a:spLocks noGrp="1"/>
-          </p:cNvSpPr>
-          <p:nvPr>
-            <p:ph type="body" sz="quarter" idx="12"/>
-          </p:nvPr>
-        </p:nvSpPr>
-        <p:spPr>
-          <a:xfrm>
-            <a:off x="962024" y="1484785"/>
-            <a:ext cx="7858447" cy="4896544"/>
-          </a:xfrm>
-        </p:spPr>
-        <p:txBody>
-          <a:bodyPr/>
-          <a:lstStyle/>
-          <a:p>
-            <a:pPr marL="0" indent="0">
-              <a:lnSpc>
-                <a:spcPct val="100000"/>
-              </a:lnSpc>
-              <a:buNone/>
-            </a:pPr>
-            <a:endParaRPr lang="nl-NL" sz="1600" dirty="0" smtClean="0"/>
-          </a:p>
-        </p:txBody>
-      </p:sp>
     </p:spTree>
     <p:extLst>
       <p:ext uri="{BB962C8B-B14F-4D97-AF65-F5344CB8AC3E}">
-        <p14:creationId xmlns:p14="http://schemas.microsoft.com/office/powerpoint/2010/main" val="18379856"/>
+        <p14:creationId xmlns:p14="http://schemas.microsoft.com/office/powerpoint/2010/main" val="3461498845"/>
       </p:ext>
     </p:extLst>
   </p:cSld>
@@ -6216,7 +6653,7 @@
               <a:rPr lang="nl-NL" sz="2800" dirty="0" smtClean="0">
                 <a:latin typeface="Bebas Neue" panose="020B0000000000000000" pitchFamily="34" charset="0"/>
               </a:rPr>
-              <a:t>Opdrachten	</a:t>
+              <a:t>Korte demo	</a:t>
             </a:r>
             <a:endParaRPr lang="nl-NL" dirty="0">
               <a:latin typeface="Bebas Neue" panose="020B0000000000000000" pitchFamily="34" charset="0"/>
@@ -6253,6 +6690,30 @@
           </a:p>
         </p:txBody>
       </p:sp>
+      <p:pic>
+        <p:nvPicPr>
+          <p:cNvPr id="2" name="Picture 1"/>
+          <p:cNvPicPr>
+            <a:picLocks noChangeAspect="1"/>
+          </p:cNvPicPr>
+          <p:nvPr/>
+        </p:nvPicPr>
+        <p:blipFill>
+          <a:blip r:embed="rId2"/>
+          <a:stretch>
+            <a:fillRect/>
+          </a:stretch>
+        </p:blipFill>
+        <p:spPr>
+          <a:xfrm>
+            <a:off x="2771800" y="2636912"/>
+            <a:ext cx="3905795" cy="1962424"/>
+          </a:xfrm>
+          <a:prstGeom prst="rect">
+            <a:avLst/>
+          </a:prstGeom>
+        </p:spPr>
+      </p:pic>
       <p:sp>
         <p:nvSpPr>
           <p:cNvPr id="6" name="Text Placeholder 2"/>
@@ -6265,6 +6726,134 @@
         </p:nvSpPr>
         <p:spPr>
           <a:xfrm>
+            <a:off x="962024" y="1484785"/>
+            <a:ext cx="7858447" cy="4896544"/>
+          </a:xfrm>
+        </p:spPr>
+        <p:txBody>
+          <a:bodyPr/>
+          <a:lstStyle/>
+          <a:p>
+            <a:pPr marL="0" indent="0">
+              <a:lnSpc>
+                <a:spcPct val="100000"/>
+              </a:lnSpc>
+              <a:buNone/>
+            </a:pPr>
+            <a:endParaRPr lang="nl-NL" sz="1600" dirty="0" smtClean="0"/>
+          </a:p>
+        </p:txBody>
+      </p:sp>
+    </p:spTree>
+    <p:extLst>
+      <p:ext uri="{BB962C8B-B14F-4D97-AF65-F5344CB8AC3E}">
+        <p14:creationId xmlns:p14="http://schemas.microsoft.com/office/powerpoint/2010/main" val="18379856"/>
+      </p:ext>
+    </p:extLst>
+  </p:cSld>
+  <p:clrMapOvr>
+    <a:masterClrMapping/>
+  </p:clrMapOvr>
+  <p:timing>
+    <p:tnLst>
+      <p:par>
+        <p:cTn id="1" dur="indefinite" restart="never" nodeType="tmRoot"/>
+      </p:par>
+    </p:tnLst>
+  </p:timing>
+</p:sld>
+</file>
+
+<file path=ppt/slides/slide6.xml><?xml version="1.0" encoding="utf-8"?>
+<p:sld xmlns:a="http://schemas.openxmlformats.org/drawingml/2006/main" xmlns:r="http://schemas.openxmlformats.org/officeDocument/2006/relationships" xmlns:p="http://schemas.openxmlformats.org/presentationml/2006/main">
+  <p:cSld>
+    <p:spTree>
+      <p:nvGrpSpPr>
+        <p:cNvPr id="1" name=""/>
+        <p:cNvGrpSpPr/>
+        <p:nvPr/>
+      </p:nvGrpSpPr>
+      <p:grpSpPr>
+        <a:xfrm>
+          <a:off x="0" y="0"/>
+          <a:ext cx="0" cy="0"/>
+          <a:chOff x="0" y="0"/>
+          <a:chExt cx="0" cy="0"/>
+        </a:xfrm>
+      </p:grpSpPr>
+      <p:sp>
+        <p:nvSpPr>
+          <p:cNvPr id="33" name="Text Placeholder 3"/>
+          <p:cNvSpPr>
+            <a:spLocks noGrp="1"/>
+          </p:cNvSpPr>
+          <p:nvPr>
+            <p:ph type="body" sz="quarter" idx="13"/>
+          </p:nvPr>
+        </p:nvSpPr>
+        <p:spPr>
+          <a:xfrm>
+            <a:off x="962025" y="548680"/>
+            <a:ext cx="6516688" cy="424900"/>
+          </a:xfrm>
+        </p:spPr>
+        <p:txBody>
+          <a:bodyPr/>
+          <a:lstStyle/>
+          <a:p>
+            <a:r>
+              <a:rPr lang="nl-NL" sz="2800" dirty="0" smtClean="0">
+                <a:latin typeface="Bebas Neue" panose="020B0000000000000000" pitchFamily="34" charset="0"/>
+              </a:rPr>
+              <a:t>Opdrachten	</a:t>
+            </a:r>
+            <a:endParaRPr lang="nl-NL" dirty="0">
+              <a:latin typeface="Bebas Neue" panose="020B0000000000000000" pitchFamily="34" charset="0"/>
+            </a:endParaRPr>
+          </a:p>
+        </p:txBody>
+      </p:sp>
+      <p:sp>
+        <p:nvSpPr>
+          <p:cNvPr id="34" name="Text Placeholder 3"/>
+          <p:cNvSpPr>
+            <a:spLocks noGrp="1"/>
+          </p:cNvSpPr>
+          <p:nvPr>
+            <p:ph type="body" sz="quarter" idx="13"/>
+          </p:nvPr>
+        </p:nvSpPr>
+        <p:spPr>
+          <a:xfrm>
+            <a:off x="962025" y="945887"/>
+            <a:ext cx="6516688" cy="353233"/>
+          </a:xfrm>
+        </p:spPr>
+        <p:txBody>
+          <a:bodyPr/>
+          <a:lstStyle/>
+          <a:p>
+            <a:endParaRPr lang="nl-NL" sz="2000" dirty="0">
+              <a:solidFill>
+                <a:srgbClr val="A5CD39"/>
+              </a:solidFill>
+              <a:latin typeface="Bebas Neue" panose="020B0000000000000000" pitchFamily="34" charset="0"/>
+            </a:endParaRPr>
+          </a:p>
+        </p:txBody>
+      </p:sp>
+      <p:sp>
+        <p:nvSpPr>
+          <p:cNvPr id="6" name="Text Placeholder 2"/>
+          <p:cNvSpPr>
+            <a:spLocks noGrp="1"/>
+          </p:cNvSpPr>
+          <p:nvPr>
+            <p:ph type="body" sz="quarter" idx="12"/>
+          </p:nvPr>
+        </p:nvSpPr>
+        <p:spPr>
+          <a:xfrm>
             <a:off x="755576" y="1484785"/>
             <a:ext cx="8280920" cy="4896544"/>
           </a:xfrm>
@@ -6295,10 +6884,18 @@
               <a:t>De weer service: </a:t>
             </a:r>
             <a:r>
-              <a:rPr lang="nl-NL" sz="2400" dirty="0" err="1"/>
+              <a:rPr lang="nl-NL" sz="2400" dirty="0" err="1">
+                <a:solidFill>
+                  <a:srgbClr val="00572D"/>
+                </a:solidFill>
+              </a:rPr>
               <a:t>Warehouse.Models.CurrentWeather</a:t>
             </a:r>
-            <a:endParaRPr lang="nl-NL" sz="2400" dirty="0"/>
+            <a:endParaRPr lang="nl-NL" sz="2400" dirty="0">
+              <a:solidFill>
+                <a:srgbClr val="00572D"/>
+              </a:solidFill>
+            </a:endParaRPr>
           </a:p>
           <a:p>
             <a:pPr>
@@ -6315,10 +6912,18 @@
               <a:t>: </a:t>
             </a:r>
             <a:r>
-              <a:rPr lang="nl-NL" sz="2400" dirty="0" err="1" smtClean="0"/>
+              <a:rPr lang="nl-NL" sz="2400" dirty="0" err="1" smtClean="0">
+                <a:solidFill>
+                  <a:srgbClr val="00572D"/>
+                </a:solidFill>
+              </a:rPr>
               <a:t>Warehouse.Models.Building</a:t>
             </a:r>
-            <a:endParaRPr lang="nl-NL" sz="2400" dirty="0" smtClean="0"/>
+            <a:endParaRPr lang="nl-NL" sz="2400" dirty="0" smtClean="0">
+              <a:solidFill>
+                <a:srgbClr val="00572D"/>
+              </a:solidFill>
+            </a:endParaRPr>
           </a:p>
           <a:p>
             <a:pPr>
@@ -6382,12 +6987,16 @@
               <a:buNone/>
             </a:pPr>
             <a:r>
-              <a:rPr lang="nl-NL" sz="2800" dirty="0" err="1"/>
+              <a:rPr lang="nl-NL" sz="2800" dirty="0" err="1" smtClean="0"/>
               <a:t>Refactor</a:t>
             </a:r>
             <a:r>
+              <a:rPr lang="nl-NL" sz="2800" dirty="0" smtClean="0"/>
+              <a:t> waar </a:t>
+            </a:r>
+            <a:r>
               <a:rPr lang="nl-NL" sz="2800" dirty="0"/>
-              <a:t> waar nodig met behoud van huidige logica!</a:t>
+              <a:t>nodig met behoud van huidige logica!</a:t>
             </a:r>
           </a:p>
           <a:p>
@@ -6917,164 +7526,6 @@
 </p:sld>
 </file>
 
-<file path=ppt/slides/slide6.xml><?xml version="1.0" encoding="utf-8"?>
-<p:sld xmlns:a="http://schemas.openxmlformats.org/drawingml/2006/main" xmlns:r="http://schemas.openxmlformats.org/officeDocument/2006/relationships" xmlns:p="http://schemas.openxmlformats.org/presentationml/2006/main">
-  <p:cSld>
-    <p:spTree>
-      <p:nvGrpSpPr>
-        <p:cNvPr id="1" name=""/>
-        <p:cNvGrpSpPr/>
-        <p:nvPr/>
-      </p:nvGrpSpPr>
-      <p:grpSpPr>
-        <a:xfrm>
-          <a:off x="0" y="0"/>
-          <a:ext cx="0" cy="0"/>
-          <a:chOff x="0" y="0"/>
-          <a:chExt cx="0" cy="0"/>
-        </a:xfrm>
-      </p:grpSpPr>
-      <p:sp>
-        <p:nvSpPr>
-          <p:cNvPr id="33" name="Text Placeholder 3"/>
-          <p:cNvSpPr>
-            <a:spLocks noGrp="1"/>
-          </p:cNvSpPr>
-          <p:nvPr>
-            <p:ph type="body" sz="quarter" idx="13"/>
-          </p:nvPr>
-        </p:nvSpPr>
-        <p:spPr>
-          <a:xfrm>
-            <a:off x="962025" y="548680"/>
-            <a:ext cx="6516688" cy="424900"/>
-          </a:xfrm>
-        </p:spPr>
-        <p:txBody>
-          <a:bodyPr/>
-          <a:lstStyle/>
-          <a:p>
-            <a:r>
-              <a:rPr lang="nl-NL" sz="2800" dirty="0" err="1" smtClean="0">
-                <a:latin typeface="Bebas Neue" panose="020B0000000000000000" pitchFamily="34" charset="0"/>
-              </a:rPr>
-              <a:t>Showtime</a:t>
-            </a:r>
-            <a:endParaRPr lang="nl-NL" dirty="0">
-              <a:latin typeface="Bebas Neue" panose="020B0000000000000000" pitchFamily="34" charset="0"/>
-            </a:endParaRPr>
-          </a:p>
-        </p:txBody>
-      </p:sp>
-      <p:sp>
-        <p:nvSpPr>
-          <p:cNvPr id="34" name="Text Placeholder 3"/>
-          <p:cNvSpPr>
-            <a:spLocks noGrp="1"/>
-          </p:cNvSpPr>
-          <p:nvPr>
-            <p:ph type="body" sz="quarter" idx="13"/>
-          </p:nvPr>
-        </p:nvSpPr>
-        <p:spPr>
-          <a:xfrm>
-            <a:off x="962025" y="945887"/>
-            <a:ext cx="6516688" cy="353233"/>
-          </a:xfrm>
-        </p:spPr>
-        <p:txBody>
-          <a:bodyPr/>
-          <a:lstStyle/>
-          <a:p>
-            <a:endParaRPr lang="nl-NL" sz="2000" dirty="0">
-              <a:solidFill>
-                <a:srgbClr val="A5CD39"/>
-              </a:solidFill>
-              <a:latin typeface="Bebas Neue" panose="020B0000000000000000" pitchFamily="34" charset="0"/>
-            </a:endParaRPr>
-          </a:p>
-        </p:txBody>
-      </p:sp>
-      <p:sp>
-        <p:nvSpPr>
-          <p:cNvPr id="6" name="Text Placeholder 2"/>
-          <p:cNvSpPr>
-            <a:spLocks noGrp="1"/>
-          </p:cNvSpPr>
-          <p:nvPr>
-            <p:ph type="body" sz="quarter" idx="12"/>
-          </p:nvPr>
-        </p:nvSpPr>
-        <p:spPr>
-          <a:xfrm>
-            <a:off x="962024" y="1484785"/>
-            <a:ext cx="7858447" cy="4896544"/>
-          </a:xfrm>
-        </p:spPr>
-        <p:txBody>
-          <a:bodyPr/>
-          <a:lstStyle/>
-          <a:p>
-            <a:pPr marL="0" indent="0">
-              <a:lnSpc>
-                <a:spcPct val="100000"/>
-              </a:lnSpc>
-              <a:buNone/>
-            </a:pPr>
-            <a:endParaRPr lang="nl-NL" sz="1600" dirty="0" smtClean="0"/>
-          </a:p>
-        </p:txBody>
-      </p:sp>
-      <p:pic>
-        <p:nvPicPr>
-          <p:cNvPr id="2" name="Picture 1"/>
-          <p:cNvPicPr>
-            <a:picLocks noChangeAspect="1"/>
-          </p:cNvPicPr>
-          <p:nvPr/>
-        </p:nvPicPr>
-        <p:blipFill>
-          <a:blip r:embed="rId2">
-            <a:extLst>
-              <a:ext uri="{28A0092B-C50C-407E-A947-70E740481C1C}">
-                <a14:useLocalDpi xmlns:a14="http://schemas.microsoft.com/office/drawing/2010/main" val="0"/>
-              </a:ext>
-            </a:extLst>
-          </a:blip>
-          <a:stretch>
-            <a:fillRect/>
-          </a:stretch>
-        </p:blipFill>
-        <p:spPr>
-          <a:xfrm>
-            <a:off x="2457450" y="2238375"/>
-            <a:ext cx="4229100" cy="2381250"/>
-          </a:xfrm>
-          <a:prstGeom prst="rect">
-            <a:avLst/>
-          </a:prstGeom>
-        </p:spPr>
-      </p:pic>
-    </p:spTree>
-    <p:extLst>
-      <p:ext uri="{BB962C8B-B14F-4D97-AF65-F5344CB8AC3E}">
-        <p14:creationId xmlns:p14="http://schemas.microsoft.com/office/powerpoint/2010/main" val="48667818"/>
-      </p:ext>
-    </p:extLst>
-  </p:cSld>
-  <p:clrMapOvr>
-    <a:masterClrMapping/>
-  </p:clrMapOvr>
-  <p:timing>
-    <p:tnLst>
-      <p:par>
-        <p:cTn id="1" dur="indefinite" restart="never" nodeType="tmRoot"/>
-      </p:par>
-    </p:tnLst>
-  </p:timing>
-</p:sld>
-</file>
-
 <file path=ppt/slides/slide7.xml><?xml version="1.0" encoding="utf-8"?>
 <p:sld xmlns:a="http://schemas.openxmlformats.org/drawingml/2006/main" xmlns:r="http://schemas.openxmlformats.org/officeDocument/2006/relationships" xmlns:p="http://schemas.openxmlformats.org/presentationml/2006/main">
   <p:cSld>
@@ -7116,7 +7567,7 @@
               <a:rPr lang="nl-NL" sz="2800" dirty="0" err="1" smtClean="0">
                 <a:latin typeface="Bebas Neue" panose="020B0000000000000000" pitchFamily="34" charset="0"/>
               </a:rPr>
-              <a:t>SHowtime</a:t>
+              <a:t>Showtime</a:t>
             </a:r>
             <a:endParaRPr lang="nl-NL" dirty="0">
               <a:latin typeface="Bebas Neue" panose="020B0000000000000000" pitchFamily="34" charset="0"/>
@@ -7173,10 +7624,11 @@
           <a:bodyPr/>
           <a:lstStyle/>
           <a:p>
-            <a:pPr>
+            <a:pPr marL="0" indent="0">
               <a:lnSpc>
                 <a:spcPct val="100000"/>
               </a:lnSpc>
+              <a:buNone/>
             </a:pPr>
             <a:endParaRPr lang="nl-NL" sz="1600" dirty="0" smtClean="0"/>
           </a:p>
@@ -7184,7 +7636,7 @@
       </p:sp>
       <p:pic>
         <p:nvPicPr>
-          <p:cNvPr id="3" name="Picture 2"/>
+          <p:cNvPr id="2" name="Picture 1"/>
           <p:cNvPicPr>
             <a:picLocks noChangeAspect="1"/>
           </p:cNvPicPr>
@@ -7204,8 +7656,8 @@
         </p:blipFill>
         <p:spPr>
           <a:xfrm>
-            <a:off x="2543175" y="1671637"/>
-            <a:ext cx="4057650" cy="3514725"/>
+            <a:off x="962025" y="1484784"/>
+            <a:ext cx="7928944" cy="4464495"/>
           </a:xfrm>
           <a:prstGeom prst="rect">
             <a:avLst/>
@@ -7215,7 +7667,7 @@
     </p:spTree>
     <p:extLst>
       <p:ext uri="{BB962C8B-B14F-4D97-AF65-F5344CB8AC3E}">
-        <p14:creationId xmlns:p14="http://schemas.microsoft.com/office/powerpoint/2010/main" val="2662739852"/>
+        <p14:creationId xmlns:p14="http://schemas.microsoft.com/office/powerpoint/2010/main" val="48667818"/>
       </p:ext>
     </p:extLst>
   </p:cSld>
@@ -7273,13 +7725,7 @@
               <a:rPr lang="nl-NL" sz="2800" dirty="0" err="1" smtClean="0">
                 <a:latin typeface="Bebas Neue" panose="020B0000000000000000" pitchFamily="34" charset="0"/>
               </a:rPr>
-              <a:t>Retrospecive</a:t>
-            </a:r>
-            <a:r>
-              <a:rPr lang="nl-NL" sz="2800" dirty="0" smtClean="0">
-                <a:latin typeface="Bebas Neue" panose="020B0000000000000000" pitchFamily="34" charset="0"/>
-              </a:rPr>
-              <a:t>	</a:t>
+              <a:t>SHowtime</a:t>
             </a:r>
             <a:endParaRPr lang="nl-NL" dirty="0">
               <a:latin typeface="Bebas Neue" panose="020B0000000000000000" pitchFamily="34" charset="0"/>
@@ -7328,68 +7774,18 @@
         </p:nvSpPr>
         <p:spPr>
           <a:xfrm>
-            <a:off x="962025" y="1484785"/>
-            <a:ext cx="7858448" cy="4896544"/>
+            <a:off x="962024" y="1484785"/>
+            <a:ext cx="7858447" cy="4896544"/>
           </a:xfrm>
         </p:spPr>
         <p:txBody>
           <a:bodyPr/>
           <a:lstStyle/>
           <a:p>
-            <a:pPr marL="0" indent="0">
+            <a:pPr>
               <a:lnSpc>
                 <a:spcPct val="100000"/>
               </a:lnSpc>
-              <a:buNone/>
-            </a:pPr>
-            <a:r>
-              <a:rPr lang="nl-NL" sz="1600" dirty="0" smtClean="0"/>
-              <a:t>Wat kunnen we doen om volgende </a:t>
-            </a:r>
-            <a:r>
-              <a:rPr lang="nl-NL" sz="1600" dirty="0" err="1" smtClean="0"/>
-              <a:t>dojo</a:t>
-            </a:r>
-            <a:r>
-              <a:rPr lang="nl-NL" sz="1600" dirty="0" smtClean="0"/>
-              <a:t> een nog groter succes te laten worden?</a:t>
-            </a:r>
-          </a:p>
-          <a:p>
-            <a:pPr marL="0" indent="0">
-              <a:lnSpc>
-                <a:spcPct val="100000"/>
-              </a:lnSpc>
-              <a:buNone/>
-            </a:pPr>
-            <a:endParaRPr lang="nl-NL" sz="1600" dirty="0"/>
-          </a:p>
-          <a:p>
-            <a:pPr marL="0" indent="0">
-              <a:lnSpc>
-                <a:spcPct val="100000"/>
-              </a:lnSpc>
-              <a:buNone/>
-            </a:pPr>
-            <a:r>
-              <a:rPr lang="nl-NL" sz="1600" dirty="0" smtClean="0"/>
-              <a:t>Wat gaan we volgende </a:t>
-            </a:r>
-            <a:r>
-              <a:rPr lang="nl-NL" sz="1600" dirty="0" err="1" smtClean="0"/>
-              <a:t>dojo</a:t>
-            </a:r>
-            <a:r>
-              <a:rPr lang="nl-NL" sz="1600" dirty="0" smtClean="0"/>
-              <a:t> doen?</a:t>
-            </a:r>
-          </a:p>
-          <a:p>
-            <a:pPr marL="0" indent="0">
-              <a:lnSpc>
-                <a:spcPct val="100000"/>
-              </a:lnSpc>
-              <a:buNone/>
             </a:pPr>
             <a:endParaRPr lang="nl-NL" sz="1600" dirty="0" smtClean="0"/>
           </a:p>
@@ -7397,28 +7793,201 @@
       </p:sp>
       <p:pic>
         <p:nvPicPr>
-          <p:cNvPr id="2" name="Picture 1"/>
+          <p:cNvPr id="3" name="Picture 2"/>
           <p:cNvPicPr>
             <a:picLocks noChangeAspect="1"/>
           </p:cNvPicPr>
           <p:nvPr/>
         </p:nvPicPr>
         <p:blipFill>
-          <a:blip r:embed="rId2"/>
+          <a:blip r:embed="rId2">
+            <a:extLst>
+              <a:ext uri="{28A0092B-C50C-407E-A947-70E740481C1C}">
+                <a14:useLocalDpi xmlns:a14="http://schemas.microsoft.com/office/drawing/2010/main" val="0"/>
+              </a:ext>
+            </a:extLst>
+          </a:blip>
           <a:stretch>
             <a:fillRect/>
           </a:stretch>
         </p:blipFill>
         <p:spPr>
           <a:xfrm>
-            <a:off x="1237784" y="2348880"/>
-            <a:ext cx="6668431" cy="4420217"/>
+            <a:off x="1547664" y="1671637"/>
+            <a:ext cx="5256584" cy="4553238"/>
           </a:xfrm>
           <a:prstGeom prst="rect">
             <a:avLst/>
           </a:prstGeom>
         </p:spPr>
       </p:pic>
+    </p:spTree>
+    <p:extLst>
+      <p:ext uri="{BB962C8B-B14F-4D97-AF65-F5344CB8AC3E}">
+        <p14:creationId xmlns:p14="http://schemas.microsoft.com/office/powerpoint/2010/main" val="2662739852"/>
+      </p:ext>
+    </p:extLst>
+  </p:cSld>
+  <p:clrMapOvr>
+    <a:masterClrMapping/>
+  </p:clrMapOvr>
+  <p:timing>
+    <p:tnLst>
+      <p:par>
+        <p:cTn id="1" dur="indefinite" restart="never" nodeType="tmRoot"/>
+      </p:par>
+    </p:tnLst>
+  </p:timing>
+</p:sld>
+</file>
+
+<file path=ppt/slides/slide9.xml><?xml version="1.0" encoding="utf-8"?>
+<p:sld xmlns:a="http://schemas.openxmlformats.org/drawingml/2006/main" xmlns:r="http://schemas.openxmlformats.org/officeDocument/2006/relationships" xmlns:p="http://schemas.openxmlformats.org/presentationml/2006/main">
+  <p:cSld>
+    <p:spTree>
+      <p:nvGrpSpPr>
+        <p:cNvPr id="1" name=""/>
+        <p:cNvGrpSpPr/>
+        <p:nvPr/>
+      </p:nvGrpSpPr>
+      <p:grpSpPr>
+        <a:xfrm>
+          <a:off x="0" y="0"/>
+          <a:ext cx="0" cy="0"/>
+          <a:chOff x="0" y="0"/>
+          <a:chExt cx="0" cy="0"/>
+        </a:xfrm>
+      </p:grpSpPr>
+      <p:sp>
+        <p:nvSpPr>
+          <p:cNvPr id="33" name="Text Placeholder 3"/>
+          <p:cNvSpPr>
+            <a:spLocks noGrp="1"/>
+          </p:cNvSpPr>
+          <p:nvPr>
+            <p:ph type="body" sz="quarter" idx="13"/>
+          </p:nvPr>
+        </p:nvSpPr>
+        <p:spPr>
+          <a:xfrm>
+            <a:off x="962025" y="548680"/>
+            <a:ext cx="6516688" cy="424900"/>
+          </a:xfrm>
+        </p:spPr>
+        <p:txBody>
+          <a:bodyPr/>
+          <a:lstStyle/>
+          <a:p>
+            <a:r>
+              <a:rPr lang="nl-NL" sz="2800" dirty="0" err="1" smtClean="0">
+                <a:latin typeface="Bebas Neue" panose="020B0000000000000000" pitchFamily="34" charset="0"/>
+              </a:rPr>
+              <a:t>Retrospecive</a:t>
+            </a:r>
+            <a:r>
+              <a:rPr lang="nl-NL" sz="2800" dirty="0" smtClean="0">
+                <a:latin typeface="Bebas Neue" panose="020B0000000000000000" pitchFamily="34" charset="0"/>
+              </a:rPr>
+              <a:t>	</a:t>
+            </a:r>
+            <a:endParaRPr lang="nl-NL" dirty="0">
+              <a:latin typeface="Bebas Neue" panose="020B0000000000000000" pitchFamily="34" charset="0"/>
+            </a:endParaRPr>
+          </a:p>
+        </p:txBody>
+      </p:sp>
+      <p:sp>
+        <p:nvSpPr>
+          <p:cNvPr id="34" name="Text Placeholder 3"/>
+          <p:cNvSpPr>
+            <a:spLocks noGrp="1"/>
+          </p:cNvSpPr>
+          <p:nvPr>
+            <p:ph type="body" sz="quarter" idx="13"/>
+          </p:nvPr>
+        </p:nvSpPr>
+        <p:spPr>
+          <a:xfrm>
+            <a:off x="962025" y="945887"/>
+            <a:ext cx="6516688" cy="353233"/>
+          </a:xfrm>
+        </p:spPr>
+        <p:txBody>
+          <a:bodyPr/>
+          <a:lstStyle/>
+          <a:p>
+            <a:endParaRPr lang="nl-NL" sz="2000" dirty="0">
+              <a:solidFill>
+                <a:srgbClr val="A5CD39"/>
+              </a:solidFill>
+              <a:latin typeface="Bebas Neue" panose="020B0000000000000000" pitchFamily="34" charset="0"/>
+            </a:endParaRPr>
+          </a:p>
+        </p:txBody>
+      </p:sp>
+      <p:sp>
+        <p:nvSpPr>
+          <p:cNvPr id="6" name="Text Placeholder 2"/>
+          <p:cNvSpPr>
+            <a:spLocks noGrp="1"/>
+          </p:cNvSpPr>
+          <p:nvPr>
+            <p:ph type="body" sz="quarter" idx="12"/>
+          </p:nvPr>
+        </p:nvSpPr>
+        <p:spPr>
+          <a:xfrm>
+            <a:off x="962025" y="1484785"/>
+            <a:ext cx="7858448" cy="4896544"/>
+          </a:xfrm>
+        </p:spPr>
+        <p:txBody>
+          <a:bodyPr/>
+          <a:lstStyle/>
+          <a:p>
+            <a:pPr marL="0" indent="0" algn="ctr">
+              <a:lnSpc>
+                <a:spcPct val="100000"/>
+              </a:lnSpc>
+              <a:buNone/>
+            </a:pPr>
+            <a:endParaRPr lang="nl-NL" sz="2800" dirty="0" smtClean="0"/>
+          </a:p>
+          <a:p>
+            <a:pPr marL="0" indent="0" algn="ctr">
+              <a:lnSpc>
+                <a:spcPct val="100000"/>
+              </a:lnSpc>
+              <a:buNone/>
+            </a:pPr>
+            <a:r>
+              <a:rPr lang="nl-NL" sz="2800" dirty="0" smtClean="0"/>
+              <a:t>Wat </a:t>
+            </a:r>
+            <a:r>
+              <a:rPr lang="nl-NL" sz="2800" dirty="0" smtClean="0"/>
+              <a:t>kunnen we doen om volgende </a:t>
+            </a:r>
+            <a:r>
+              <a:rPr lang="nl-NL" sz="2800" dirty="0" err="1" smtClean="0"/>
+              <a:t>dojo</a:t>
+            </a:r>
+            <a:r>
+              <a:rPr lang="nl-NL" sz="2800" dirty="0" smtClean="0"/>
+              <a:t> een nog groter succes te laten worden?</a:t>
+            </a:r>
+          </a:p>
+          <a:p>
+            <a:pPr marL="0" indent="0">
+              <a:lnSpc>
+                <a:spcPct val="100000"/>
+              </a:lnSpc>
+              <a:buNone/>
+            </a:pPr>
+            <a:endParaRPr lang="nl-NL" sz="1600" dirty="0" smtClean="0"/>
+          </a:p>
+        </p:txBody>
+      </p:sp>
     </p:spTree>
     <p:extLst>
       <p:ext uri="{BB962C8B-B14F-4D97-AF65-F5344CB8AC3E}">

--- a/warehouse/Coding Kata - Warehouse - startin with Unit Testing.pptx
+++ b/warehouse/Coding Kata - Warehouse - startin with Unit Testing.pptx
@@ -5730,7 +5730,6 @@
               <a:rPr lang="nl-NL" sz="2800" dirty="0" smtClean="0"/>
               <a:t>Meer unit testen – het gebruik van MOQ</a:t>
             </a:r>
-            <a:endParaRPr lang="nl-NL" sz="2800" dirty="0" smtClean="0"/>
           </a:p>
           <a:p>
             <a:pPr marL="0" indent="0">
@@ -6881,6 +6880,50 @@
             </a:pPr>
             <a:r>
               <a:rPr lang="nl-NL" sz="2400" dirty="0" smtClean="0"/>
+              <a:t>De </a:t>
+            </a:r>
+            <a:r>
+              <a:rPr lang="nl-NL" sz="2400" dirty="0" smtClean="0"/>
+              <a:t>Building BLL</a:t>
+            </a:r>
+            <a:r>
+              <a:rPr lang="nl-NL" sz="2400" dirty="0"/>
+              <a:t>: </a:t>
+            </a:r>
+            <a:r>
+              <a:rPr lang="nl-NL" sz="2400" dirty="0" err="1" smtClean="0">
+                <a:solidFill>
+                  <a:srgbClr val="00572D"/>
+                </a:solidFill>
+              </a:rPr>
+              <a:t>Warehouse.Models.Building.cs</a:t>
+            </a:r>
+            <a:endParaRPr lang="nl-NL" sz="2400" dirty="0" smtClean="0">
+              <a:solidFill>
+                <a:srgbClr val="00572D"/>
+              </a:solidFill>
+            </a:endParaRPr>
+          </a:p>
+          <a:p>
+            <a:pPr>
+              <a:lnSpc>
+                <a:spcPct val="100000"/>
+              </a:lnSpc>
+            </a:pPr>
+            <a:endParaRPr lang="nl-NL" sz="2400" dirty="0" smtClean="0">
+              <a:solidFill>
+                <a:srgbClr val="00572D"/>
+              </a:solidFill>
+            </a:endParaRPr>
+          </a:p>
+          <a:p>
+            <a:pPr>
+              <a:lnSpc>
+                <a:spcPct val="100000"/>
+              </a:lnSpc>
+            </a:pPr>
+            <a:r>
+              <a:rPr lang="nl-NL" sz="2400" dirty="0"/>
               <a:t>De weer service: </a:t>
             </a:r>
             <a:r>
@@ -6889,7 +6932,7 @@
                   <a:srgbClr val="00572D"/>
                 </a:solidFill>
               </a:rPr>
-              <a:t>Warehouse.Models.CurrentWeather</a:t>
+              <a:t>Warehouse.Models.CurrentWeather.cs</a:t>
             </a:r>
             <a:endParaRPr lang="nl-NL" sz="2400" dirty="0">
               <a:solidFill>
@@ -6903,27 +6946,7 @@
                 <a:spcPct val="100000"/>
               </a:lnSpc>
             </a:pPr>
-            <a:r>
-              <a:rPr lang="nl-NL" sz="2400" dirty="0" smtClean="0"/>
-              <a:t>De Building BLL</a:t>
-            </a:r>
-            <a:r>
-              <a:rPr lang="nl-NL" sz="2400" dirty="0"/>
-              <a:t>: </a:t>
-            </a:r>
-            <a:r>
-              <a:rPr lang="nl-NL" sz="2400" dirty="0" err="1" smtClean="0">
-                <a:solidFill>
-                  <a:srgbClr val="00572D"/>
-                </a:solidFill>
-              </a:rPr>
-              <a:t>Warehouse.Models.Building</a:t>
-            </a:r>
-            <a:endParaRPr lang="nl-NL" sz="2400" dirty="0" smtClean="0">
-              <a:solidFill>
-                <a:srgbClr val="00572D"/>
-              </a:solidFill>
-            </a:endParaRPr>
+            <a:endParaRPr lang="nl-NL" sz="2400" dirty="0" smtClean="0"/>
           </a:p>
           <a:p>
             <a:pPr>
@@ -6933,8 +6956,29 @@
             </a:pPr>
             <a:r>
               <a:rPr lang="nl-NL" sz="2400" dirty="0" smtClean="0"/>
-              <a:t>TODO: max items op rek</a:t>
-            </a:r>
+              <a:t>Het </a:t>
+            </a:r>
+            <a:r>
+              <a:rPr lang="nl-NL" sz="2400" dirty="0" err="1" smtClean="0"/>
+              <a:t>BuildingScreen</a:t>
+            </a:r>
+            <a:r>
+              <a:rPr lang="nl-NL" sz="2400" dirty="0"/>
+              <a:t>: </a:t>
+            </a:r>
+            <a:r>
+              <a:rPr lang="nl-NL" sz="2400" dirty="0" err="1">
+                <a:solidFill>
+                  <a:srgbClr val="00572D"/>
+                </a:solidFill>
+              </a:rPr>
+              <a:t>Warehouse.Screens.BuildingScreen.cs</a:t>
+            </a:r>
+            <a:endParaRPr lang="nl-NL" sz="2400" dirty="0">
+              <a:solidFill>
+                <a:srgbClr val="00572D"/>
+              </a:solidFill>
+            </a:endParaRPr>
           </a:p>
           <a:p>
             <a:pPr>
@@ -6942,26 +6986,7 @@
                 <a:spcPct val="100000"/>
               </a:lnSpc>
             </a:pPr>
-            <a:r>
-              <a:rPr lang="nl-NL" sz="2400" dirty="0"/>
-              <a:t>TODO: </a:t>
-            </a:r>
-            <a:r>
-              <a:rPr lang="nl-NL" sz="2400" dirty="0" smtClean="0"/>
-              <a:t>Een scherm (</a:t>
-            </a:r>
-            <a:r>
-              <a:rPr lang="nl-NL" sz="2400" dirty="0" err="1" smtClean="0"/>
-              <a:t>Products</a:t>
-            </a:r>
-            <a:r>
-              <a:rPr lang="nl-NL" sz="2400" dirty="0" smtClean="0"/>
-              <a:t> / Buildings</a:t>
-            </a:r>
-            <a:r>
-              <a:rPr lang="nl-NL" sz="1600" dirty="0" smtClean="0"/>
-              <a:t>)</a:t>
-            </a:r>
+            <a:endParaRPr lang="nl-NL" sz="1600" dirty="0" smtClean="0"/>
           </a:p>
           <a:p>
             <a:pPr>
@@ -7159,7 +7184,7 @@
                                         <p:tgtEl>
                                           <p:spTgt spid="6">
                                             <p:txEl>
-                                              <p:pRg st="2" end="2"/>
+                                              <p:pRg st="3" end="3"/>
                                             </p:txEl>
                                           </p:spTgt>
                                         </p:tgtEl>
@@ -7177,7 +7202,7 @@
                                         <p:tgtEl>
                                           <p:spTgt spid="6">
                                             <p:txEl>
-                                              <p:pRg st="2" end="2"/>
+                                              <p:pRg st="3" end="3"/>
                                             </p:txEl>
                                           </p:spTgt>
                                         </p:tgtEl>
@@ -7204,7 +7229,7 @@
                                         <p:tgtEl>
                                           <p:spTgt spid="6">
                                             <p:txEl>
-                                              <p:pRg st="2" end="2"/>
+                                              <p:pRg st="3" end="3"/>
                                             </p:txEl>
                                           </p:spTgt>
                                         </p:tgtEl>
@@ -7262,7 +7287,7 @@
                                         <p:tgtEl>
                                           <p:spTgt spid="6">
                                             <p:txEl>
-                                              <p:pRg st="3" end="3"/>
+                                              <p:pRg st="5" end="5"/>
                                             </p:txEl>
                                           </p:spTgt>
                                         </p:tgtEl>
@@ -7280,7 +7305,7 @@
                                         <p:tgtEl>
                                           <p:spTgt spid="6">
                                             <p:txEl>
-                                              <p:pRg st="3" end="3"/>
+                                              <p:pRg st="5" end="5"/>
                                             </p:txEl>
                                           </p:spTgt>
                                         </p:tgtEl>
@@ -7307,7 +7332,7 @@
                                         <p:tgtEl>
                                           <p:spTgt spid="6">
                                             <p:txEl>
-                                              <p:pRg st="3" end="3"/>
+                                              <p:pRg st="5" end="5"/>
                                             </p:txEl>
                                           </p:spTgt>
                                         </p:tgtEl>
@@ -7350,7 +7375,7 @@
                             </p:stCondLst>
                             <p:childTnLst>
                               <p:par>
-                                <p:cTn id="23" presetID="2" presetClass="entr" presetSubtype="4" fill="hold" nodeType="clickEffect">
+                                <p:cTn id="23" presetID="6" presetClass="entr" presetSubtype="16" fill="hold" nodeType="clickEffect">
                                   <p:stCondLst>
                                     <p:cond delay="0"/>
                                   </p:stCondLst>
@@ -7365,110 +7390,7 @@
                                         <p:tgtEl>
                                           <p:spTgt spid="6">
                                             <p:txEl>
-                                              <p:pRg st="4" end="4"/>
-                                            </p:txEl>
-                                          </p:spTgt>
-                                        </p:tgtEl>
-                                        <p:attrNameLst>
-                                          <p:attrName>style.visibility</p:attrName>
-                                        </p:attrNameLst>
-                                      </p:cBhvr>
-                                      <p:to>
-                                        <p:strVal val="visible"/>
-                                      </p:to>
-                                    </p:set>
-                                    <p:anim calcmode="lin" valueType="num">
-                                      <p:cBhvr additive="base">
-                                        <p:cTn id="25" dur="500" fill="hold"/>
-                                        <p:tgtEl>
-                                          <p:spTgt spid="6">
-                                            <p:txEl>
-                                              <p:pRg st="4" end="4"/>
-                                            </p:txEl>
-                                          </p:spTgt>
-                                        </p:tgtEl>
-                                        <p:attrNameLst>
-                                          <p:attrName>ppt_x</p:attrName>
-                                        </p:attrNameLst>
-                                      </p:cBhvr>
-                                      <p:tavLst>
-                                        <p:tav tm="0">
-                                          <p:val>
-                                            <p:strVal val="#ppt_x"/>
-                                          </p:val>
-                                        </p:tav>
-                                        <p:tav tm="100000">
-                                          <p:val>
-                                            <p:strVal val="#ppt_x"/>
-                                          </p:val>
-                                        </p:tav>
-                                      </p:tavLst>
-                                    </p:anim>
-                                    <p:anim calcmode="lin" valueType="num">
-                                      <p:cBhvr additive="base">
-                                        <p:cTn id="26" dur="500" fill="hold"/>
-                                        <p:tgtEl>
-                                          <p:spTgt spid="6">
-                                            <p:txEl>
-                                              <p:pRg st="4" end="4"/>
-                                            </p:txEl>
-                                          </p:spTgt>
-                                        </p:tgtEl>
-                                        <p:attrNameLst>
-                                          <p:attrName>ppt_y</p:attrName>
-                                        </p:attrNameLst>
-                                      </p:cBhvr>
-                                      <p:tavLst>
-                                        <p:tav tm="0">
-                                          <p:val>
-                                            <p:strVal val="1+#ppt_h/2"/>
-                                          </p:val>
-                                        </p:tav>
-                                        <p:tav tm="100000">
-                                          <p:val>
-                                            <p:strVal val="#ppt_y"/>
-                                          </p:val>
-                                        </p:tav>
-                                      </p:tavLst>
-                                    </p:anim>
-                                  </p:childTnLst>
-                                </p:cTn>
-                              </p:par>
-                            </p:childTnLst>
-                          </p:cTn>
-                        </p:par>
-                      </p:childTnLst>
-                    </p:cTn>
-                  </p:par>
-                  <p:par>
-                    <p:cTn id="27" fill="hold">
-                      <p:stCondLst>
-                        <p:cond delay="indefinite"/>
-                      </p:stCondLst>
-                      <p:childTnLst>
-                        <p:par>
-                          <p:cTn id="28" fill="hold">
-                            <p:stCondLst>
-                              <p:cond delay="0"/>
-                            </p:stCondLst>
-                            <p:childTnLst>
-                              <p:par>
-                                <p:cTn id="29" presetID="6" presetClass="entr" presetSubtype="16" fill="hold" nodeType="clickEffect">
-                                  <p:stCondLst>
-                                    <p:cond delay="0"/>
-                                  </p:stCondLst>
-                                  <p:childTnLst>
-                                    <p:set>
-                                      <p:cBhvr>
-                                        <p:cTn id="30" dur="1" fill="hold">
-                                          <p:stCondLst>
-                                            <p:cond delay="0"/>
-                                          </p:stCondLst>
-                                        </p:cTn>
-                                        <p:tgtEl>
-                                          <p:spTgt spid="6">
-                                            <p:txEl>
-                                              <p:pRg st="7" end="7"/>
+                                              <p:pRg st="9" end="9"/>
                                             </p:txEl>
                                           </p:spTgt>
                                         </p:tgtEl>
@@ -7482,11 +7404,11 @@
                                     </p:set>
                                     <p:animEffect transition="in" filter="circle(in)">
                                       <p:cBhvr>
-                                        <p:cTn id="31" dur="2000"/>
+                                        <p:cTn id="25" dur="2000"/>
                                         <p:tgtEl>
                                           <p:spTgt spid="6">
                                             <p:txEl>
-                                              <p:pRg st="7" end="7"/>
+                                              <p:pRg st="9" end="9"/>
                                             </p:txEl>
                                           </p:spTgt>
                                         </p:tgtEl>
@@ -7962,11 +7884,33 @@
             </a:pPr>
             <a:r>
               <a:rPr lang="nl-NL" sz="2800" dirty="0" smtClean="0"/>
-              <a:t>Wat </a:t>
-            </a:r>
+              <a:t>Feedback</a:t>
+            </a:r>
+            <a:endParaRPr lang="nl-NL" sz="2800" dirty="0" smtClean="0"/>
+          </a:p>
+          <a:p>
+            <a:pPr marL="0" indent="0" algn="ctr">
+              <a:lnSpc>
+                <a:spcPct val="100000"/>
+              </a:lnSpc>
+              <a:buNone/>
+            </a:pPr>
+            <a:r>
+              <a:rPr lang="nl-NL" sz="2800" smtClean="0"/>
+              <a:t>-</a:t>
+            </a:r>
+            <a:endParaRPr lang="nl-NL" sz="2800" dirty="0" smtClean="0"/>
+          </a:p>
+          <a:p>
+            <a:pPr marL="0" indent="0" algn="ctr">
+              <a:lnSpc>
+                <a:spcPct val="100000"/>
+              </a:lnSpc>
+              <a:buNone/>
+            </a:pPr>
             <a:r>
               <a:rPr lang="nl-NL" sz="2800" dirty="0" smtClean="0"/>
-              <a:t>kunnen we doen om volgende </a:t>
+              <a:t>Wat kunnen we doen om volgende </a:t>
             </a:r>
             <a:r>
               <a:rPr lang="nl-NL" sz="2800" dirty="0" err="1" smtClean="0"/>

--- a/warehouse/Coding Kata - Warehouse - startin with Unit Testing.pptx
+++ b/warehouse/Coding Kata - Warehouse - startin with Unit Testing.pptx
@@ -10,8 +10,8 @@
   <p:sldIdLst>
     <p:sldId id="279" r:id="rId2"/>
     <p:sldId id="287" r:id="rId3"/>
-    <p:sldId id="294" r:id="rId4"/>
-    <p:sldId id="288" r:id="rId5"/>
+    <p:sldId id="288" r:id="rId4"/>
+    <p:sldId id="294" r:id="rId5"/>
     <p:sldId id="289" r:id="rId6"/>
     <p:sldId id="290" r:id="rId7"/>
     <p:sldId id="291" r:id="rId8"/>
@@ -230,7 +230,7 @@
           <a:p>
             <a:fld id="{312D2A74-5733-489F-AE3E-678E3C4642CF}" type="datetimeFigureOut">
               <a:rPr lang="nl-NL" smtClean="0"/>
-              <a:t>30-3-2016</a:t>
+              <a:t>31-3-2016</a:t>
             </a:fld>
             <a:endParaRPr lang="nl-NL"/>
           </a:p>
@@ -6213,7 +6213,7 @@
               <a:rPr lang="nl-NL" sz="2800" dirty="0" smtClean="0">
                 <a:latin typeface="Bebas Neue" panose="020B0000000000000000" pitchFamily="34" charset="0"/>
               </a:rPr>
-              <a:t>Uitleg van programma	</a:t>
+              <a:t>Model	</a:t>
             </a:r>
             <a:endParaRPr lang="nl-NL" dirty="0">
               <a:latin typeface="Bebas Neue" panose="020B0000000000000000" pitchFamily="34" charset="0"/>
@@ -6262,187 +6262,52 @@
         </p:nvSpPr>
         <p:spPr>
           <a:xfrm>
-            <a:off x="755576" y="1484785"/>
-            <a:ext cx="8280920" cy="4896544"/>
+            <a:off x="962024" y="1484785"/>
+            <a:ext cx="7858447" cy="4896544"/>
           </a:xfrm>
         </p:spPr>
         <p:txBody>
           <a:bodyPr/>
           <a:lstStyle/>
           <a:p>
-            <a:pPr>
+            <a:pPr marL="0" indent="0">
               <a:lnSpc>
                 <a:spcPct val="100000"/>
               </a:lnSpc>
-            </a:pPr>
-            <a:r>
-              <a:rPr lang="nl-NL" sz="1800" dirty="0" smtClean="0"/>
-              <a:t>Magazijn met gebouwen</a:t>
-            </a:r>
-          </a:p>
-          <a:p>
-            <a:pPr>
-              <a:lnSpc>
-                <a:spcPct val="100000"/>
-              </a:lnSpc>
-            </a:pPr>
-            <a:r>
-              <a:rPr lang="nl-NL" sz="1800" dirty="0" smtClean="0"/>
-              <a:t>Gebouw heeft rijen</a:t>
-            </a:r>
-          </a:p>
-          <a:p>
-            <a:pPr>
-              <a:lnSpc>
-                <a:spcPct val="100000"/>
-              </a:lnSpc>
-            </a:pPr>
-            <a:r>
-              <a:rPr lang="nl-NL" sz="1800" dirty="0" smtClean="0"/>
-              <a:t>Een rij heeft rekken</a:t>
-            </a:r>
-          </a:p>
-          <a:p>
-            <a:pPr>
-              <a:lnSpc>
-                <a:spcPct val="100000"/>
-              </a:lnSpc>
-            </a:pPr>
-            <a:r>
-              <a:rPr lang="nl-NL" sz="1800" dirty="0" smtClean="0"/>
-              <a:t>Een rek heeft schappen</a:t>
-            </a:r>
-          </a:p>
-          <a:p>
-            <a:pPr>
-              <a:lnSpc>
-                <a:spcPct val="100000"/>
-              </a:lnSpc>
-            </a:pPr>
-            <a:endParaRPr lang="nl-NL" sz="1800" dirty="0"/>
-          </a:p>
-          <a:p>
-            <a:pPr>
-              <a:lnSpc>
-                <a:spcPct val="100000"/>
-              </a:lnSpc>
-            </a:pPr>
-            <a:r>
-              <a:rPr lang="nl-NL" sz="1800" dirty="0" smtClean="0"/>
-              <a:t>In een schap liggen Producten opgeslagen</a:t>
-            </a:r>
-          </a:p>
-          <a:p>
-            <a:pPr>
-              <a:lnSpc>
-                <a:spcPct val="100000"/>
-              </a:lnSpc>
-            </a:pPr>
-            <a:endParaRPr lang="nl-NL" sz="1800" dirty="0"/>
-          </a:p>
-          <a:p>
-            <a:pPr>
-              <a:lnSpc>
-                <a:spcPct val="100000"/>
-              </a:lnSpc>
-            </a:pPr>
-            <a:r>
-              <a:rPr lang="nl-NL" sz="1800" dirty="0" smtClean="0"/>
-              <a:t>Een Product heeft een gewicht</a:t>
-            </a:r>
-          </a:p>
-          <a:p>
-            <a:pPr>
-              <a:lnSpc>
-                <a:spcPct val="100000"/>
-              </a:lnSpc>
-            </a:pPr>
-            <a:r>
-              <a:rPr lang="nl-NL" sz="1800" dirty="0" smtClean="0"/>
-              <a:t>Een Rek heeft een max gewicht; er kunnen maar zoveel producten op een rek</a:t>
-            </a:r>
-          </a:p>
-          <a:p>
-            <a:pPr>
-              <a:lnSpc>
-                <a:spcPct val="100000"/>
-              </a:lnSpc>
-            </a:pPr>
-            <a:endParaRPr lang="nl-NL" sz="1800" dirty="0"/>
-          </a:p>
-          <a:p>
-            <a:pPr>
-              <a:lnSpc>
-                <a:spcPct val="100000"/>
-              </a:lnSpc>
-            </a:pPr>
-            <a:r>
-              <a:rPr lang="nl-NL" sz="1800" dirty="0" smtClean="0"/>
-              <a:t>Een Gebouw heeft een Airco die aan / uit kan</a:t>
-            </a:r>
-          </a:p>
-          <a:p>
-            <a:pPr>
-              <a:lnSpc>
-                <a:spcPct val="100000"/>
-              </a:lnSpc>
-            </a:pPr>
-            <a:r>
-              <a:rPr lang="nl-NL" sz="1800" dirty="0" smtClean="0"/>
-              <a:t>Een Airco mag niet aan wanneer buitentemp &lt; 5 graden </a:t>
-            </a:r>
-            <a:r>
-              <a:rPr lang="nl-NL" sz="1800" dirty="0" err="1"/>
-              <a:t>celcius</a:t>
-            </a:r>
-            <a:endParaRPr lang="nl-NL" sz="1800" dirty="0" smtClean="0"/>
-          </a:p>
-          <a:p>
-            <a:pPr>
-              <a:lnSpc>
-                <a:spcPct val="100000"/>
-              </a:lnSpc>
-            </a:pPr>
-            <a:r>
-              <a:rPr lang="nl-NL" sz="1800" dirty="0"/>
-              <a:t>Een Airco mag niet </a:t>
-            </a:r>
-            <a:r>
-              <a:rPr lang="nl-NL" sz="1800" dirty="0" smtClean="0"/>
-              <a:t>uit wanneer </a:t>
-            </a:r>
-            <a:r>
-              <a:rPr lang="nl-NL" sz="1800" dirty="0"/>
-              <a:t>buitentemp </a:t>
-            </a:r>
-            <a:r>
-              <a:rPr lang="nl-NL" sz="1800" dirty="0" smtClean="0"/>
-              <a:t>&gt; 10 graden </a:t>
-            </a:r>
-            <a:r>
-              <a:rPr lang="nl-NL" sz="1800" dirty="0" err="1" smtClean="0"/>
-              <a:t>celcius</a:t>
-            </a:r>
-            <a:r>
-              <a:rPr lang="nl-NL" sz="1800" dirty="0" smtClean="0"/>
-              <a:t> </a:t>
-            </a:r>
-            <a:endParaRPr lang="nl-NL" sz="1800" dirty="0"/>
-          </a:p>
-          <a:p>
-            <a:pPr>
-              <a:lnSpc>
-                <a:spcPct val="100000"/>
-              </a:lnSpc>
+              <a:buNone/>
             </a:pPr>
             <a:endParaRPr lang="nl-NL" sz="1600" dirty="0" smtClean="0"/>
           </a:p>
         </p:txBody>
       </p:sp>
+      <p:pic>
+        <p:nvPicPr>
+          <p:cNvPr id="2" name="Picture 1"/>
+          <p:cNvPicPr>
+            <a:picLocks noChangeAspect="1"/>
+          </p:cNvPicPr>
+          <p:nvPr/>
+        </p:nvPicPr>
+        <p:blipFill>
+          <a:blip r:embed="rId2"/>
+          <a:stretch>
+            <a:fillRect/>
+          </a:stretch>
+        </p:blipFill>
+        <p:spPr>
+          <a:xfrm>
+            <a:off x="104775" y="2423972"/>
+            <a:ext cx="8923196" cy="2445188"/>
+          </a:xfrm>
+          <a:prstGeom prst="rect">
+            <a:avLst/>
+          </a:prstGeom>
+        </p:spPr>
+      </p:pic>
     </p:spTree>
     <p:extLst>
       <p:ext uri="{BB962C8B-B14F-4D97-AF65-F5344CB8AC3E}">
-        <p14:creationId xmlns:p14="http://schemas.microsoft.com/office/powerpoint/2010/main" val="2626629604"/>
+        <p14:creationId xmlns:p14="http://schemas.microsoft.com/office/powerpoint/2010/main" val="3461498845"/>
       </p:ext>
     </p:extLst>
   </p:cSld>
@@ -6500,7 +6365,7 @@
               <a:rPr lang="nl-NL" sz="2800" dirty="0" smtClean="0">
                 <a:latin typeface="Bebas Neue" panose="020B0000000000000000" pitchFamily="34" charset="0"/>
               </a:rPr>
-              <a:t>Model	</a:t>
+              <a:t>Uitleg van programma	</a:t>
             </a:r>
             <a:endParaRPr lang="nl-NL" dirty="0">
               <a:latin typeface="Bebas Neue" panose="020B0000000000000000" pitchFamily="34" charset="0"/>
@@ -6549,52 +6414,109 @@
         </p:nvSpPr>
         <p:spPr>
           <a:xfrm>
-            <a:off x="962024" y="1484785"/>
-            <a:ext cx="7858447" cy="4896544"/>
+            <a:off x="755576" y="1484785"/>
+            <a:ext cx="8280920" cy="4896544"/>
           </a:xfrm>
         </p:spPr>
         <p:txBody>
           <a:bodyPr/>
           <a:lstStyle/>
           <a:p>
-            <a:pPr marL="0" indent="0">
+            <a:pPr>
               <a:lnSpc>
                 <a:spcPct val="100000"/>
               </a:lnSpc>
-              <a:buNone/>
+            </a:pPr>
+            <a:r>
+              <a:rPr lang="nl-NL" sz="1800" dirty="0" smtClean="0"/>
+              <a:t>Een </a:t>
+            </a:r>
+            <a:r>
+              <a:rPr lang="nl-NL" sz="1800" dirty="0" smtClean="0"/>
+              <a:t>Product heeft een gewicht</a:t>
+            </a:r>
+          </a:p>
+          <a:p>
+            <a:pPr>
+              <a:lnSpc>
+                <a:spcPct val="100000"/>
+              </a:lnSpc>
+            </a:pPr>
+            <a:endParaRPr lang="nl-NL" sz="1800" dirty="0"/>
+          </a:p>
+          <a:p>
+            <a:pPr>
+              <a:lnSpc>
+                <a:spcPct val="100000"/>
+              </a:lnSpc>
+            </a:pPr>
+            <a:r>
+              <a:rPr lang="nl-NL" sz="1800" dirty="0" smtClean="0"/>
+              <a:t>Een Gebouw heeft een Airco die aan / uit kan</a:t>
+            </a:r>
+          </a:p>
+          <a:p>
+            <a:pPr>
+              <a:lnSpc>
+                <a:spcPct val="100000"/>
+              </a:lnSpc>
+            </a:pPr>
+            <a:r>
+              <a:rPr lang="nl-NL" sz="1800" dirty="0" smtClean="0"/>
+              <a:t>Een Airco mag niet aan wanneer buitentemp &lt; 5 graden </a:t>
+            </a:r>
+            <a:r>
+              <a:rPr lang="nl-NL" sz="1800" dirty="0" err="1"/>
+              <a:t>celcius</a:t>
+            </a:r>
+            <a:endParaRPr lang="nl-NL" sz="1800" dirty="0" smtClean="0"/>
+          </a:p>
+          <a:p>
+            <a:pPr>
+              <a:lnSpc>
+                <a:spcPct val="100000"/>
+              </a:lnSpc>
+            </a:pPr>
+            <a:r>
+              <a:rPr lang="nl-NL" sz="1800" dirty="0"/>
+              <a:t>Een Airco mag niet </a:t>
+            </a:r>
+            <a:r>
+              <a:rPr lang="nl-NL" sz="1800" dirty="0" smtClean="0"/>
+              <a:t>uit wanneer </a:t>
+            </a:r>
+            <a:r>
+              <a:rPr lang="nl-NL" sz="1800" dirty="0"/>
+              <a:t>buitentemp </a:t>
+            </a:r>
+            <a:r>
+              <a:rPr lang="nl-NL" sz="1800" dirty="0" smtClean="0"/>
+              <a:t>&gt; 10 graden </a:t>
+            </a:r>
+            <a:r>
+              <a:rPr lang="nl-NL" sz="1800" dirty="0" err="1" smtClean="0"/>
+              <a:t>celcius</a:t>
+            </a:r>
+            <a:r>
+              <a:rPr lang="nl-NL" sz="1800" dirty="0" smtClean="0"/>
+              <a:t> </a:t>
+            </a:r>
+            <a:endParaRPr lang="nl-NL" sz="1800" dirty="0"/>
+          </a:p>
+          <a:p>
+            <a:pPr>
+              <a:lnSpc>
+                <a:spcPct val="100000"/>
+              </a:lnSpc>
             </a:pPr>
             <a:endParaRPr lang="nl-NL" sz="1600" dirty="0" smtClean="0"/>
           </a:p>
         </p:txBody>
       </p:sp>
-      <p:pic>
-        <p:nvPicPr>
-          <p:cNvPr id="2" name="Picture 1"/>
-          <p:cNvPicPr>
-            <a:picLocks noChangeAspect="1"/>
-          </p:cNvPicPr>
-          <p:nvPr/>
-        </p:nvPicPr>
-        <p:blipFill>
-          <a:blip r:embed="rId2"/>
-          <a:stretch>
-            <a:fillRect/>
-          </a:stretch>
-        </p:blipFill>
-        <p:spPr>
-          <a:xfrm>
-            <a:off x="104775" y="2423972"/>
-            <a:ext cx="8923196" cy="2445188"/>
-          </a:xfrm>
-          <a:prstGeom prst="rect">
-            <a:avLst/>
-          </a:prstGeom>
-        </p:spPr>
-      </p:pic>
     </p:spTree>
     <p:extLst>
       <p:ext uri="{BB962C8B-B14F-4D97-AF65-F5344CB8AC3E}">
-        <p14:creationId xmlns:p14="http://schemas.microsoft.com/office/powerpoint/2010/main" val="3461498845"/>
+        <p14:creationId xmlns:p14="http://schemas.microsoft.com/office/powerpoint/2010/main" val="2626629604"/>
       </p:ext>
     </p:extLst>
   </p:cSld>
@@ -6689,9 +6611,39 @@
           </a:p>
         </p:txBody>
       </p:sp>
+      <p:sp>
+        <p:nvSpPr>
+          <p:cNvPr id="6" name="Text Placeholder 2"/>
+          <p:cNvSpPr>
+            <a:spLocks noGrp="1"/>
+          </p:cNvSpPr>
+          <p:nvPr>
+            <p:ph type="body" sz="quarter" idx="12"/>
+          </p:nvPr>
+        </p:nvSpPr>
+        <p:spPr>
+          <a:xfrm>
+            <a:off x="936319" y="1383913"/>
+            <a:ext cx="7858447" cy="4896544"/>
+          </a:xfrm>
+        </p:spPr>
+        <p:txBody>
+          <a:bodyPr/>
+          <a:lstStyle/>
+          <a:p>
+            <a:pPr marL="0" indent="0">
+              <a:lnSpc>
+                <a:spcPct val="100000"/>
+              </a:lnSpc>
+              <a:buNone/>
+            </a:pPr>
+            <a:endParaRPr lang="nl-NL" sz="1600" dirty="0" smtClean="0"/>
+          </a:p>
+        </p:txBody>
+      </p:sp>
       <p:pic>
         <p:nvPicPr>
-          <p:cNvPr id="2" name="Picture 1"/>
+          <p:cNvPr id="5" name="Picture 4"/>
           <p:cNvPicPr>
             <a:picLocks noChangeAspect="1"/>
           </p:cNvPicPr>
@@ -6705,44 +6657,14 @@
         </p:blipFill>
         <p:spPr>
           <a:xfrm>
-            <a:off x="2771800" y="2636912"/>
-            <a:ext cx="3905795" cy="1962424"/>
+            <a:off x="1859643" y="2204864"/>
+            <a:ext cx="5479860" cy="3096344"/>
           </a:xfrm>
           <a:prstGeom prst="rect">
             <a:avLst/>
           </a:prstGeom>
         </p:spPr>
       </p:pic>
-      <p:sp>
-        <p:nvSpPr>
-          <p:cNvPr id="6" name="Text Placeholder 2"/>
-          <p:cNvSpPr>
-            <a:spLocks noGrp="1"/>
-          </p:cNvSpPr>
-          <p:nvPr>
-            <p:ph type="body" sz="quarter" idx="12"/>
-          </p:nvPr>
-        </p:nvSpPr>
-        <p:spPr>
-          <a:xfrm>
-            <a:off x="962024" y="1484785"/>
-            <a:ext cx="7858447" cy="4896544"/>
-          </a:xfrm>
-        </p:spPr>
-        <p:txBody>
-          <a:bodyPr/>
-          <a:lstStyle/>
-          <a:p>
-            <a:pPr marL="0" indent="0">
-              <a:lnSpc>
-                <a:spcPct val="100000"/>
-              </a:lnSpc>
-              <a:buNone/>
-            </a:pPr>
-            <a:endParaRPr lang="nl-NL" sz="1600" dirty="0" smtClean="0"/>
-          </a:p>
-        </p:txBody>
-      </p:sp>
     </p:spTree>
     <p:extLst>
       <p:ext uri="{BB962C8B-B14F-4D97-AF65-F5344CB8AC3E}">
@@ -6880,11 +6802,7 @@
             </a:pPr>
             <a:r>
               <a:rPr lang="nl-NL" sz="2400" dirty="0" smtClean="0"/>
-              <a:t>De </a:t>
-            </a:r>
-            <a:r>
-              <a:rPr lang="nl-NL" sz="2400" dirty="0" smtClean="0"/>
-              <a:t>Building BLL</a:t>
+              <a:t>De Building BLL</a:t>
             </a:r>
             <a:r>
               <a:rPr lang="nl-NL" sz="2400" dirty="0"/>
@@ -7886,7 +7804,6 @@
               <a:rPr lang="nl-NL" sz="2800" dirty="0" smtClean="0"/>
               <a:t>Feedback</a:t>
             </a:r>
-            <a:endParaRPr lang="nl-NL" sz="2800" dirty="0" smtClean="0"/>
           </a:p>
           <a:p>
             <a:pPr marL="0" indent="0" algn="ctr">
